--- a/aspnetcore/slides/09_entityframework.pptx
+++ b/aspnetcore/slides/09_entityframework.pptx
@@ -5,14 +5,23 @@
     <p:sldMasterId id="2147483772" r:id="rId1"/>
   </p:sldMasterIdLst>
   <p:notesMasterIdLst>
-    <p:notesMasterId r:id="rId4"/>
+    <p:notesMasterId r:id="rId13"/>
   </p:notesMasterIdLst>
   <p:handoutMasterIdLst>
-    <p:handoutMasterId r:id="rId5"/>
+    <p:handoutMasterId r:id="rId14"/>
   </p:handoutMasterIdLst>
   <p:sldIdLst>
     <p:sldId id="327" r:id="rId2"/>
-    <p:sldId id="358" r:id="rId3"/>
+    <p:sldId id="359" r:id="rId3"/>
+    <p:sldId id="360" r:id="rId4"/>
+    <p:sldId id="361" r:id="rId5"/>
+    <p:sldId id="362" r:id="rId6"/>
+    <p:sldId id="363" r:id="rId7"/>
+    <p:sldId id="364" r:id="rId8"/>
+    <p:sldId id="365" r:id="rId9"/>
+    <p:sldId id="366" r:id="rId10"/>
+    <p:sldId id="367" r:id="rId11"/>
+    <p:sldId id="358" r:id="rId12"/>
   </p:sldIdLst>
   <p:sldSz cx="9144000" cy="6858000" type="screen4x3"/>
   <p:notesSz cx="7302500" cy="9588500"/>
@@ -147,6 +156,15 @@
         <p14:section name="Default Section" id="{1FAFB904-873B-4B5C-A5B3-7BBCB9659514}">
           <p14:sldIdLst>
             <p14:sldId id="327"/>
+            <p14:sldId id="359"/>
+            <p14:sldId id="360"/>
+            <p14:sldId id="361"/>
+            <p14:sldId id="362"/>
+            <p14:sldId id="363"/>
+            <p14:sldId id="364"/>
+            <p14:sldId id="365"/>
+            <p14:sldId id="366"/>
+            <p14:sldId id="367"/>
             <p14:sldId id="358"/>
           </p14:sldIdLst>
         </p14:section>
@@ -275,7 +293,7 @@
               <a:pPr>
                 <a:defRPr/>
               </a:pPr>
-              <a:t>10/26/2018</a:t>
+              <a:t>11/4/2018</a:t>
             </a:fld>
             <a:endParaRPr lang="en-US"/>
           </a:p>
@@ -935,6 +953,186 @@
       </p:grpSpPr>
       <p:sp>
         <p:nvSpPr>
+          <p:cNvPr id="2" name="Slide Image Placeholder 1"/>
+          <p:cNvSpPr>
+            <a:spLocks noGrp="1" noRot="1" noChangeAspect="1"/>
+          </p:cNvSpPr>
+          <p:nvPr>
+            <p:ph type="sldImg"/>
+          </p:nvPr>
+        </p:nvSpPr>
+        <p:spPr/>
+      </p:sp>
+      <p:sp>
+        <p:nvSpPr>
+          <p:cNvPr id="3" name="Notes Placeholder 2"/>
+          <p:cNvSpPr>
+            <a:spLocks noGrp="1"/>
+          </p:cNvSpPr>
+          <p:nvPr>
+            <p:ph type="body" idx="1"/>
+          </p:nvPr>
+        </p:nvSpPr>
+        <p:spPr/>
+        <p:txBody>
+          <a:bodyPr/>
+          <a:lstStyle/>
+          <a:p>
+            <a:endParaRPr lang="en-US" dirty="0"/>
+          </a:p>
+        </p:txBody>
+      </p:sp>
+      <p:sp>
+        <p:nvSpPr>
+          <p:cNvPr id="4" name="Slide Number Placeholder 3"/>
+          <p:cNvSpPr>
+            <a:spLocks noGrp="1"/>
+          </p:cNvSpPr>
+          <p:nvPr>
+            <p:ph type="sldNum" sz="quarter" idx="5"/>
+          </p:nvPr>
+        </p:nvSpPr>
+        <p:spPr/>
+        <p:txBody>
+          <a:bodyPr/>
+          <a:lstStyle/>
+          <a:p>
+            <a:pPr>
+              <a:defRPr/>
+            </a:pPr>
+            <a:fld id="{11D29CD3-EA91-4B07-8041-33A63E8C46BA}" type="slidenum">
+              <a:rPr lang="en-US" smtClean="0"/>
+              <a:pPr>
+                <a:defRPr/>
+              </a:pPr>
+              <a:t>4</a:t>
+            </a:fld>
+            <a:endParaRPr lang="en-US"/>
+          </a:p>
+        </p:txBody>
+      </p:sp>
+    </p:spTree>
+    <p:extLst>
+      <p:ext uri="{BB962C8B-B14F-4D97-AF65-F5344CB8AC3E}">
+        <p14:creationId xmlns:p14="http://schemas.microsoft.com/office/powerpoint/2010/main" val="3114246646"/>
+      </p:ext>
+    </p:extLst>
+  </p:cSld>
+  <p:clrMapOvr>
+    <a:masterClrMapping/>
+  </p:clrMapOvr>
+</p:notes>
+</file>
+
+<file path=ppt/notesSlides/notesSlide3.xml><?xml version="1.0" encoding="utf-8"?>
+<p:notes xmlns:a="http://schemas.openxmlformats.org/drawingml/2006/main" xmlns:r="http://schemas.openxmlformats.org/officeDocument/2006/relationships" xmlns:p="http://schemas.openxmlformats.org/presentationml/2006/main">
+  <p:cSld>
+    <p:spTree>
+      <p:nvGrpSpPr>
+        <p:cNvPr id="1" name=""/>
+        <p:cNvGrpSpPr/>
+        <p:nvPr/>
+      </p:nvGrpSpPr>
+      <p:grpSpPr>
+        <a:xfrm>
+          <a:off x="0" y="0"/>
+          <a:ext cx="0" cy="0"/>
+          <a:chOff x="0" y="0"/>
+          <a:chExt cx="0" cy="0"/>
+        </a:xfrm>
+      </p:grpSpPr>
+      <p:sp>
+        <p:nvSpPr>
+          <p:cNvPr id="2" name="Slide Image Placeholder 1"/>
+          <p:cNvSpPr>
+            <a:spLocks noGrp="1" noRot="1" noChangeAspect="1"/>
+          </p:cNvSpPr>
+          <p:nvPr>
+            <p:ph type="sldImg"/>
+          </p:nvPr>
+        </p:nvSpPr>
+        <p:spPr/>
+      </p:sp>
+      <p:sp>
+        <p:nvSpPr>
+          <p:cNvPr id="3" name="Notes Placeholder 2"/>
+          <p:cNvSpPr>
+            <a:spLocks noGrp="1"/>
+          </p:cNvSpPr>
+          <p:nvPr>
+            <p:ph type="body" idx="1"/>
+          </p:nvPr>
+        </p:nvSpPr>
+        <p:spPr/>
+        <p:txBody>
+          <a:bodyPr/>
+          <a:lstStyle/>
+          <a:p>
+            <a:endParaRPr lang="en-US" dirty="0"/>
+          </a:p>
+        </p:txBody>
+      </p:sp>
+      <p:sp>
+        <p:nvSpPr>
+          <p:cNvPr id="4" name="Slide Number Placeholder 3"/>
+          <p:cNvSpPr>
+            <a:spLocks noGrp="1"/>
+          </p:cNvSpPr>
+          <p:nvPr>
+            <p:ph type="sldNum" sz="quarter" idx="5"/>
+          </p:nvPr>
+        </p:nvSpPr>
+        <p:spPr/>
+        <p:txBody>
+          <a:bodyPr/>
+          <a:lstStyle/>
+          <a:p>
+            <a:pPr>
+              <a:defRPr/>
+            </a:pPr>
+            <a:fld id="{11D29CD3-EA91-4B07-8041-33A63E8C46BA}" type="slidenum">
+              <a:rPr lang="en-US" smtClean="0"/>
+              <a:pPr>
+                <a:defRPr/>
+              </a:pPr>
+              <a:t>9</a:t>
+            </a:fld>
+            <a:endParaRPr lang="en-US"/>
+          </a:p>
+        </p:txBody>
+      </p:sp>
+    </p:spTree>
+    <p:extLst>
+      <p:ext uri="{BB962C8B-B14F-4D97-AF65-F5344CB8AC3E}">
+        <p14:creationId xmlns:p14="http://schemas.microsoft.com/office/powerpoint/2010/main" val="2852766438"/>
+      </p:ext>
+    </p:extLst>
+  </p:cSld>
+  <p:clrMapOvr>
+    <a:masterClrMapping/>
+  </p:clrMapOvr>
+</p:notes>
+</file>
+
+<file path=ppt/notesSlides/notesSlide4.xml><?xml version="1.0" encoding="utf-8"?>
+<p:notes xmlns:a="http://schemas.openxmlformats.org/drawingml/2006/main" xmlns:r="http://schemas.openxmlformats.org/officeDocument/2006/relationships" xmlns:p="http://schemas.openxmlformats.org/presentationml/2006/main">
+  <p:cSld>
+    <p:spTree>
+      <p:nvGrpSpPr>
+        <p:cNvPr id="1" name=""/>
+        <p:cNvGrpSpPr/>
+        <p:nvPr/>
+      </p:nvGrpSpPr>
+      <p:grpSpPr>
+        <a:xfrm>
+          <a:off x="0" y="0"/>
+          <a:ext cx="0" cy="0"/>
+          <a:chOff x="0" y="0"/>
+          <a:chExt cx="0" cy="0"/>
+        </a:xfrm>
+      </p:grpSpPr>
+      <p:sp>
+        <p:nvSpPr>
           <p:cNvPr id="21506" name="Shape 4"/>
           <p:cNvSpPr>
             <a:spLocks noGrp="1" noChangeArrowheads="1"/>
@@ -957,7 +1155,7 @@
             <a:fld id="{6F8E712A-3391-44E3-B8E1-37AE61B13131}" type="slidenum">
               <a:rPr lang="en-US" smtClean="0"/>
               <a:pPr/>
-              <a:t>2</a:t>
+              <a:t>11</a:t>
             </a:fld>
             <a:endParaRPr lang="en-US"/>
           </a:p>
@@ -2843,6 +3041,236 @@
 </p:sld>
 </file>
 
+<file path=ppt/slides/slide10.xml><?xml version="1.0" encoding="utf-8"?>
+<p:sld xmlns:a="http://schemas.openxmlformats.org/drawingml/2006/main" xmlns:r="http://schemas.openxmlformats.org/officeDocument/2006/relationships" xmlns:p="http://schemas.openxmlformats.org/presentationml/2006/main">
+  <p:cSld>
+    <p:spTree>
+      <p:nvGrpSpPr>
+        <p:cNvPr id="1" name=""/>
+        <p:cNvGrpSpPr/>
+        <p:nvPr/>
+      </p:nvGrpSpPr>
+      <p:grpSpPr>
+        <a:xfrm>
+          <a:off x="0" y="0"/>
+          <a:ext cx="0" cy="0"/>
+          <a:chOff x="0" y="0"/>
+          <a:chExt cx="0" cy="0"/>
+        </a:xfrm>
+      </p:grpSpPr>
+      <p:sp>
+        <p:nvSpPr>
+          <p:cNvPr id="2" name="Title 1">
+            <a:extLst>
+              <a:ext uri="{FF2B5EF4-FFF2-40B4-BE49-F238E27FC236}">
+                <a16:creationId xmlns:a16="http://schemas.microsoft.com/office/drawing/2014/main" id="{00C2EA44-4D13-45B0-8EBC-02D7B41AD595}"/>
+              </a:ext>
+            </a:extLst>
+          </p:cNvPr>
+          <p:cNvSpPr>
+            <a:spLocks noGrp="1"/>
+          </p:cNvSpPr>
+          <p:nvPr>
+            <p:ph type="title"/>
+          </p:nvPr>
+        </p:nvSpPr>
+        <p:spPr/>
+        <p:txBody>
+          <a:bodyPr/>
+          <a:lstStyle/>
+          <a:p>
+            <a:r>
+              <a:rPr lang="en-US" dirty="0"/>
+              <a:t>In-Memory</a:t>
+            </a:r>
+          </a:p>
+        </p:txBody>
+      </p:sp>
+      <p:sp>
+        <p:nvSpPr>
+          <p:cNvPr id="3" name="Text Placeholder 2">
+            <a:extLst>
+              <a:ext uri="{FF2B5EF4-FFF2-40B4-BE49-F238E27FC236}">
+                <a16:creationId xmlns:a16="http://schemas.microsoft.com/office/drawing/2014/main" id="{C5C21BBF-44B1-439E-919A-AE0A5045D211}"/>
+              </a:ext>
+            </a:extLst>
+          </p:cNvPr>
+          <p:cNvSpPr>
+            <a:spLocks noGrp="1"/>
+          </p:cNvSpPr>
+          <p:nvPr>
+            <p:ph type="body" idx="1"/>
+          </p:nvPr>
+        </p:nvSpPr>
+        <p:spPr/>
+        <p:txBody>
+          <a:bodyPr/>
+          <a:lstStyle/>
+          <a:p>
+            <a:r>
+              <a:rPr lang="en-US" dirty="0"/>
+              <a:t>Great for testing!</a:t>
+            </a:r>
+          </a:p>
+        </p:txBody>
+      </p:sp>
+      <p:pic>
+        <p:nvPicPr>
+          <p:cNvPr id="4" name="Picture 3">
+            <a:extLst>
+              <a:ext uri="{FF2B5EF4-FFF2-40B4-BE49-F238E27FC236}">
+                <a16:creationId xmlns:a16="http://schemas.microsoft.com/office/drawing/2014/main" id="{580A4ECB-5240-4170-A6E3-D60D4261366B}"/>
+              </a:ext>
+            </a:extLst>
+          </p:cNvPr>
+          <p:cNvPicPr>
+            <a:picLocks noChangeAspect="1"/>
+          </p:cNvPicPr>
+          <p:nvPr/>
+        </p:nvPicPr>
+        <p:blipFill>
+          <a:blip r:embed="rId2"/>
+          <a:stretch>
+            <a:fillRect/>
+          </a:stretch>
+        </p:blipFill>
+        <p:spPr>
+          <a:xfrm>
+            <a:off x="533400" y="2819400"/>
+            <a:ext cx="8001000" cy="2062113"/>
+          </a:xfrm>
+          <a:prstGeom prst="rect">
+            <a:avLst/>
+          </a:prstGeom>
+        </p:spPr>
+      </p:pic>
+    </p:spTree>
+    <p:extLst>
+      <p:ext uri="{BB962C8B-B14F-4D97-AF65-F5344CB8AC3E}">
+        <p14:creationId xmlns:p14="http://schemas.microsoft.com/office/powerpoint/2010/main" val="3992636641"/>
+      </p:ext>
+    </p:extLst>
+  </p:cSld>
+  <p:clrMapOvr>
+    <a:masterClrMapping/>
+  </p:clrMapOvr>
+  <p:transition>
+    <p:fade/>
+  </p:transition>
+</p:sld>
+</file>
+
+<file path=ppt/slides/slide11.xml><?xml version="1.0" encoding="utf-8"?>
+<p:sld xmlns:a="http://schemas.openxmlformats.org/drawingml/2006/main" xmlns:r="http://schemas.openxmlformats.org/officeDocument/2006/relationships" xmlns:p="http://schemas.openxmlformats.org/presentationml/2006/main">
+  <p:cSld>
+    <p:spTree>
+      <p:nvGrpSpPr>
+        <p:cNvPr id="1" name=""/>
+        <p:cNvGrpSpPr/>
+        <p:nvPr/>
+      </p:nvGrpSpPr>
+      <p:grpSpPr>
+        <a:xfrm>
+          <a:off x="0" y="0"/>
+          <a:ext cx="0" cy="0"/>
+          <a:chOff x="0" y="0"/>
+          <a:chExt cx="0" cy="0"/>
+        </a:xfrm>
+      </p:grpSpPr>
+      <p:sp>
+        <p:nvSpPr>
+          <p:cNvPr id="12290" name="Rectangle 4"/>
+          <p:cNvSpPr>
+            <a:spLocks noGrp="1" noChangeArrowheads="1"/>
+          </p:cNvSpPr>
+          <p:nvPr>
+            <p:ph type="title"/>
+          </p:nvPr>
+        </p:nvSpPr>
+        <p:spPr/>
+        <p:txBody>
+          <a:bodyPr/>
+          <a:lstStyle/>
+          <a:p>
+            <a:pPr eaLnBrk="1" hangingPunct="1"/>
+            <a:r>
+              <a:rPr lang="en-US" dirty="0"/>
+              <a:t>Summary</a:t>
+            </a:r>
+          </a:p>
+        </p:txBody>
+      </p:sp>
+      <p:sp>
+        <p:nvSpPr>
+          <p:cNvPr id="3" name="Text Placeholder 2">
+            <a:extLst>
+              <a:ext uri="{FF2B5EF4-FFF2-40B4-BE49-F238E27FC236}">
+                <a16:creationId xmlns:a16="http://schemas.microsoft.com/office/drawing/2014/main" id="{3136124E-AD7C-4416-86A2-B3814524065F}"/>
+              </a:ext>
+            </a:extLst>
+          </p:cNvPr>
+          <p:cNvSpPr>
+            <a:spLocks noGrp="1"/>
+          </p:cNvSpPr>
+          <p:nvPr>
+            <p:ph type="body" idx="1"/>
+          </p:nvPr>
+        </p:nvSpPr>
+        <p:spPr/>
+        <p:txBody>
+          <a:bodyPr/>
+          <a:lstStyle/>
+          <a:p>
+            <a:endParaRPr lang="en-US"/>
+          </a:p>
+        </p:txBody>
+      </p:sp>
+      <p:pic>
+        <p:nvPicPr>
+          <p:cNvPr id="4" name="Picture 3">
+            <a:extLst>
+              <a:ext uri="{FF2B5EF4-FFF2-40B4-BE49-F238E27FC236}">
+                <a16:creationId xmlns:a16="http://schemas.microsoft.com/office/drawing/2014/main" id="{B2B2A221-140B-4FC8-BD1E-82B97FCD8C60}"/>
+              </a:ext>
+            </a:extLst>
+          </p:cNvPr>
+          <p:cNvPicPr>
+            <a:picLocks noChangeAspect="1"/>
+          </p:cNvPicPr>
+          <p:nvPr/>
+        </p:nvPicPr>
+        <p:blipFill>
+          <a:blip r:embed="rId3"/>
+          <a:stretch>
+            <a:fillRect/>
+          </a:stretch>
+        </p:blipFill>
+        <p:spPr>
+          <a:xfrm>
+            <a:off x="762000" y="3048000"/>
+            <a:ext cx="7848600" cy="2011172"/>
+          </a:xfrm>
+          <a:prstGeom prst="rect">
+            <a:avLst/>
+          </a:prstGeom>
+        </p:spPr>
+      </p:pic>
+    </p:spTree>
+    <p:extLst>
+      <p:ext uri="{BB962C8B-B14F-4D97-AF65-F5344CB8AC3E}">
+        <p14:creationId xmlns:p14="http://schemas.microsoft.com/office/powerpoint/2010/main" val="1849394983"/>
+      </p:ext>
+    </p:extLst>
+  </p:cSld>
+  <p:clrMapOvr>
+    <a:masterClrMapping/>
+  </p:clrMapOvr>
+  <p:transition>
+    <p:fade/>
+  </p:transition>
+</p:sld>
+</file>
+
 <file path=ppt/slides/slide2.xml><?xml version="1.0" encoding="utf-8"?>
 <p:sld xmlns:a="http://schemas.openxmlformats.org/drawingml/2006/main" xmlns:r="http://schemas.openxmlformats.org/officeDocument/2006/relationships" xmlns:p="http://schemas.openxmlformats.org/presentationml/2006/main">
   <p:cSld>
@@ -2862,9 +3290,15 @@
       </p:grpSpPr>
       <p:sp>
         <p:nvSpPr>
-          <p:cNvPr id="12290" name="Rectangle 4"/>
-          <p:cNvSpPr>
-            <a:spLocks noGrp="1" noChangeArrowheads="1"/>
+          <p:cNvPr id="2" name="Title 1">
+            <a:extLst>
+              <a:ext uri="{FF2B5EF4-FFF2-40B4-BE49-F238E27FC236}">
+                <a16:creationId xmlns:a16="http://schemas.microsoft.com/office/drawing/2014/main" id="{4D6A0694-E138-4654-8D82-9A724DEFBB3F}"/>
+              </a:ext>
+            </a:extLst>
+          </p:cNvPr>
+          <p:cNvSpPr>
+            <a:spLocks noGrp="1"/>
           </p:cNvSpPr>
           <p:nvPr>
             <p:ph type="title"/>
@@ -2875,10 +3309,13 @@
           <a:bodyPr/>
           <a:lstStyle/>
           <a:p>
-            <a:pPr eaLnBrk="1" hangingPunct="1"/>
+            <a:r>
+              <a:rPr lang="en-US" dirty="0" err="1"/>
+              <a:t>Dataase</a:t>
+            </a:r>
             <a:r>
               <a:rPr lang="en-US" dirty="0"/>
-              <a:t>Summary</a:t>
+              <a:t> Providers in NuGet</a:t>
             </a:r>
           </a:p>
         </p:txBody>
@@ -2888,7 +3325,7 @@
           <p:cNvPr id="3" name="Text Placeholder 2">
             <a:extLst>
               <a:ext uri="{FF2B5EF4-FFF2-40B4-BE49-F238E27FC236}">
-                <a16:creationId xmlns:a16="http://schemas.microsoft.com/office/drawing/2014/main" id="{3136124E-AD7C-4416-86A2-B3814524065F}"/>
+                <a16:creationId xmlns:a16="http://schemas.microsoft.com/office/drawing/2014/main" id="{8E452212-C76F-4604-8A84-34D0123A4F9D}"/>
               </a:ext>
             </a:extLst>
           </p:cNvPr>
@@ -2904,14 +3341,1070 @@
           <a:bodyPr/>
           <a:lstStyle/>
           <a:p>
-            <a:endParaRPr lang="en-US"/>
-          </a:p>
-        </p:txBody>
-      </p:sp>
+            <a:r>
+              <a:rPr lang="en-US" dirty="0"/>
+              <a:t>SQL Server</a:t>
+            </a:r>
+          </a:p>
+          <a:p>
+            <a:r>
+              <a:rPr lang="en-US" dirty="0"/>
+              <a:t>SQLite</a:t>
+            </a:r>
+          </a:p>
+          <a:p>
+            <a:r>
+              <a:rPr lang="en-US" dirty="0"/>
+              <a:t>In-memory</a:t>
+            </a:r>
+          </a:p>
+          <a:p>
+            <a:r>
+              <a:rPr lang="en-US" dirty="0"/>
+              <a:t>PostgreSQL</a:t>
+            </a:r>
+          </a:p>
+          <a:p>
+            <a:r>
+              <a:rPr lang="en-US" dirty="0"/>
+              <a:t>MySQL</a:t>
+            </a:r>
+          </a:p>
+          <a:p>
+            <a:r>
+              <a:rPr lang="en-US" dirty="0"/>
+              <a:t>CosmosDB</a:t>
+            </a:r>
+          </a:p>
+        </p:txBody>
+      </p:sp>
+      <p:pic>
+        <p:nvPicPr>
+          <p:cNvPr id="4" name="Picture 3">
+            <a:extLst>
+              <a:ext uri="{FF2B5EF4-FFF2-40B4-BE49-F238E27FC236}">
+                <a16:creationId xmlns:a16="http://schemas.microsoft.com/office/drawing/2014/main" id="{3F59416D-6CC2-4F63-9EE5-0D86466FF96C}"/>
+              </a:ext>
+            </a:extLst>
+          </p:cNvPr>
+          <p:cNvPicPr>
+            <a:picLocks noChangeAspect="1"/>
+          </p:cNvPicPr>
+          <p:nvPr/>
+        </p:nvPicPr>
+        <p:blipFill>
+          <a:blip r:embed="rId2"/>
+          <a:stretch>
+            <a:fillRect/>
+          </a:stretch>
+        </p:blipFill>
+        <p:spPr>
+          <a:xfrm>
+            <a:off x="495112" y="4521908"/>
+            <a:ext cx="8153400" cy="1269292"/>
+          </a:xfrm>
+          <a:prstGeom prst="rect">
+            <a:avLst/>
+          </a:prstGeom>
+        </p:spPr>
+      </p:pic>
     </p:spTree>
     <p:extLst>
       <p:ext uri="{BB962C8B-B14F-4D97-AF65-F5344CB8AC3E}">
-        <p14:creationId xmlns:p14="http://schemas.microsoft.com/office/powerpoint/2010/main" val="1849394983"/>
+        <p14:creationId xmlns:p14="http://schemas.microsoft.com/office/powerpoint/2010/main" val="2200974962"/>
+      </p:ext>
+    </p:extLst>
+  </p:cSld>
+  <p:clrMapOvr>
+    <a:masterClrMapping/>
+  </p:clrMapOvr>
+  <p:transition>
+    <p:fade/>
+  </p:transition>
+</p:sld>
+</file>
+
+<file path=ppt/slides/slide3.xml><?xml version="1.0" encoding="utf-8"?>
+<p:sld xmlns:a="http://schemas.openxmlformats.org/drawingml/2006/main" xmlns:r="http://schemas.openxmlformats.org/officeDocument/2006/relationships" xmlns:p="http://schemas.openxmlformats.org/presentationml/2006/main">
+  <p:cSld>
+    <p:spTree>
+      <p:nvGrpSpPr>
+        <p:cNvPr id="1" name=""/>
+        <p:cNvGrpSpPr/>
+        <p:nvPr/>
+      </p:nvGrpSpPr>
+      <p:grpSpPr>
+        <a:xfrm>
+          <a:off x="0" y="0"/>
+          <a:ext cx="0" cy="0"/>
+          <a:chOff x="0" y="0"/>
+          <a:chExt cx="0" cy="0"/>
+        </a:xfrm>
+      </p:grpSpPr>
+      <p:sp>
+        <p:nvSpPr>
+          <p:cNvPr id="2" name="Title 1">
+            <a:extLst>
+              <a:ext uri="{FF2B5EF4-FFF2-40B4-BE49-F238E27FC236}">
+                <a16:creationId xmlns:a16="http://schemas.microsoft.com/office/drawing/2014/main" id="{62C41D11-AA8A-48BE-A2C2-D63EDB58A785}"/>
+              </a:ext>
+            </a:extLst>
+          </p:cNvPr>
+          <p:cNvSpPr>
+            <a:spLocks noGrp="1"/>
+          </p:cNvSpPr>
+          <p:nvPr>
+            <p:ph type="title"/>
+          </p:nvPr>
+        </p:nvSpPr>
+        <p:spPr/>
+        <p:txBody>
+          <a:bodyPr/>
+          <a:lstStyle/>
+          <a:p>
+            <a:r>
+              <a:rPr lang="en-US" dirty="0" err="1"/>
+              <a:t>DbSet</a:t>
+            </a:r>
+            <a:endParaRPr lang="en-US" dirty="0"/>
+          </a:p>
+        </p:txBody>
+      </p:sp>
+      <p:sp>
+        <p:nvSpPr>
+          <p:cNvPr id="3" name="Text Placeholder 2">
+            <a:extLst>
+              <a:ext uri="{FF2B5EF4-FFF2-40B4-BE49-F238E27FC236}">
+                <a16:creationId xmlns:a16="http://schemas.microsoft.com/office/drawing/2014/main" id="{EBC0A7FF-31C0-4644-AEFA-6E87AD216596}"/>
+              </a:ext>
+            </a:extLst>
+          </p:cNvPr>
+          <p:cNvSpPr>
+            <a:spLocks noGrp="1"/>
+          </p:cNvSpPr>
+          <p:nvPr>
+            <p:ph type="body" idx="1"/>
+          </p:nvPr>
+        </p:nvSpPr>
+        <p:spPr/>
+        <p:txBody>
+          <a:bodyPr/>
+          <a:lstStyle/>
+          <a:p>
+            <a:r>
+              <a:rPr lang="en-US" dirty="0"/>
+              <a:t>The gateway to the database</a:t>
+            </a:r>
+          </a:p>
+          <a:p>
+            <a:r>
+              <a:rPr lang="en-US" dirty="0"/>
+              <a:t>Instance represents a unit of work</a:t>
+            </a:r>
+          </a:p>
+        </p:txBody>
+      </p:sp>
+      <p:pic>
+        <p:nvPicPr>
+          <p:cNvPr id="5" name="Picture 4">
+            <a:extLst>
+              <a:ext uri="{FF2B5EF4-FFF2-40B4-BE49-F238E27FC236}">
+                <a16:creationId xmlns:a16="http://schemas.microsoft.com/office/drawing/2014/main" id="{03E148CE-0628-4FB4-BE8E-09A4151038DF}"/>
+              </a:ext>
+            </a:extLst>
+          </p:cNvPr>
+          <p:cNvPicPr>
+            <a:picLocks noChangeAspect="1"/>
+          </p:cNvPicPr>
+          <p:nvPr/>
+        </p:nvPicPr>
+        <p:blipFill>
+          <a:blip r:embed="rId2"/>
+          <a:stretch>
+            <a:fillRect/>
+          </a:stretch>
+        </p:blipFill>
+        <p:spPr>
+          <a:xfrm>
+            <a:off x="495300" y="3048374"/>
+            <a:ext cx="8153400" cy="2919625"/>
+          </a:xfrm>
+          <a:prstGeom prst="rect">
+            <a:avLst/>
+          </a:prstGeom>
+        </p:spPr>
+      </p:pic>
+    </p:spTree>
+    <p:extLst>
+      <p:ext uri="{BB962C8B-B14F-4D97-AF65-F5344CB8AC3E}">
+        <p14:creationId xmlns:p14="http://schemas.microsoft.com/office/powerpoint/2010/main" val="2835405864"/>
+      </p:ext>
+    </p:extLst>
+  </p:cSld>
+  <p:clrMapOvr>
+    <a:masterClrMapping/>
+  </p:clrMapOvr>
+  <p:transition>
+    <p:fade/>
+  </p:transition>
+</p:sld>
+</file>
+
+<file path=ppt/slides/slide4.xml><?xml version="1.0" encoding="utf-8"?>
+<p:sld xmlns:a="http://schemas.openxmlformats.org/drawingml/2006/main" xmlns:r="http://schemas.openxmlformats.org/officeDocument/2006/relationships" xmlns:p="http://schemas.openxmlformats.org/presentationml/2006/main">
+  <p:cSld>
+    <p:spTree>
+      <p:nvGrpSpPr>
+        <p:cNvPr id="1" name=""/>
+        <p:cNvGrpSpPr/>
+        <p:nvPr/>
+      </p:nvGrpSpPr>
+      <p:grpSpPr>
+        <a:xfrm>
+          <a:off x="0" y="0"/>
+          <a:ext cx="0" cy="0"/>
+          <a:chOff x="0" y="0"/>
+          <a:chExt cx="0" cy="0"/>
+        </a:xfrm>
+      </p:grpSpPr>
+      <p:sp>
+        <p:nvSpPr>
+          <p:cNvPr id="2" name="Title 1">
+            <a:extLst>
+              <a:ext uri="{FF2B5EF4-FFF2-40B4-BE49-F238E27FC236}">
+                <a16:creationId xmlns:a16="http://schemas.microsoft.com/office/drawing/2014/main" id="{AF65B983-1CF6-416B-8C0F-883A8650A5C4}"/>
+              </a:ext>
+            </a:extLst>
+          </p:cNvPr>
+          <p:cNvSpPr>
+            <a:spLocks noGrp="1"/>
+          </p:cNvSpPr>
+          <p:nvPr>
+            <p:ph type="title"/>
+          </p:nvPr>
+        </p:nvSpPr>
+        <p:spPr/>
+        <p:txBody>
+          <a:bodyPr/>
+          <a:lstStyle/>
+          <a:p>
+            <a:r>
+              <a:rPr lang="en-US" dirty="0" err="1"/>
+              <a:t>DBContext</a:t>
+            </a:r>
+            <a:r>
+              <a:rPr lang="en-US" dirty="0"/>
+              <a:t> is a Service</a:t>
+            </a:r>
+          </a:p>
+        </p:txBody>
+      </p:sp>
+      <p:sp>
+        <p:nvSpPr>
+          <p:cNvPr id="3" name="Text Placeholder 2">
+            <a:extLst>
+              <a:ext uri="{FF2B5EF4-FFF2-40B4-BE49-F238E27FC236}">
+                <a16:creationId xmlns:a16="http://schemas.microsoft.com/office/drawing/2014/main" id="{92DC9599-B29B-41D2-AF42-7EBAF42079D6}"/>
+              </a:ext>
+            </a:extLst>
+          </p:cNvPr>
+          <p:cNvSpPr>
+            <a:spLocks noGrp="1"/>
+          </p:cNvSpPr>
+          <p:nvPr>
+            <p:ph type="body" idx="1"/>
+          </p:nvPr>
+        </p:nvSpPr>
+        <p:spPr/>
+        <p:txBody>
+          <a:bodyPr/>
+          <a:lstStyle/>
+          <a:p>
+            <a:r>
+              <a:rPr lang="en-US" dirty="0"/>
+              <a:t>Configure for injection</a:t>
+            </a:r>
+          </a:p>
+        </p:txBody>
+      </p:sp>
+      <p:pic>
+        <p:nvPicPr>
+          <p:cNvPr id="4" name="Picture 3">
+            <a:extLst>
+              <a:ext uri="{FF2B5EF4-FFF2-40B4-BE49-F238E27FC236}">
+                <a16:creationId xmlns:a16="http://schemas.microsoft.com/office/drawing/2014/main" id="{7A9FF4B9-9329-42C1-955C-2255F335E9F5}"/>
+              </a:ext>
+            </a:extLst>
+          </p:cNvPr>
+          <p:cNvPicPr>
+            <a:picLocks noChangeAspect="1"/>
+          </p:cNvPicPr>
+          <p:nvPr/>
+        </p:nvPicPr>
+        <p:blipFill>
+          <a:blip r:embed="rId3"/>
+          <a:stretch>
+            <a:fillRect/>
+          </a:stretch>
+        </p:blipFill>
+        <p:spPr>
+          <a:xfrm>
+            <a:off x="762000" y="3048000"/>
+            <a:ext cx="7848600" cy="2011172"/>
+          </a:xfrm>
+          <a:prstGeom prst="rect">
+            <a:avLst/>
+          </a:prstGeom>
+        </p:spPr>
+      </p:pic>
+    </p:spTree>
+    <p:extLst>
+      <p:ext uri="{BB962C8B-B14F-4D97-AF65-F5344CB8AC3E}">
+        <p14:creationId xmlns:p14="http://schemas.microsoft.com/office/powerpoint/2010/main" val="652975987"/>
+      </p:ext>
+    </p:extLst>
+  </p:cSld>
+  <p:clrMapOvr>
+    <a:masterClrMapping/>
+  </p:clrMapOvr>
+  <p:transition>
+    <p:fade/>
+  </p:transition>
+</p:sld>
+</file>
+
+<file path=ppt/slides/slide5.xml><?xml version="1.0" encoding="utf-8"?>
+<p:sld xmlns:a="http://schemas.openxmlformats.org/drawingml/2006/main" xmlns:r="http://schemas.openxmlformats.org/officeDocument/2006/relationships" xmlns:p="http://schemas.openxmlformats.org/presentationml/2006/main">
+  <p:cSld>
+    <p:spTree>
+      <p:nvGrpSpPr>
+        <p:cNvPr id="1" name=""/>
+        <p:cNvGrpSpPr/>
+        <p:nvPr/>
+      </p:nvGrpSpPr>
+      <p:grpSpPr>
+        <a:xfrm>
+          <a:off x="0" y="0"/>
+          <a:ext cx="0" cy="0"/>
+          <a:chOff x="0" y="0"/>
+          <a:chExt cx="0" cy="0"/>
+        </a:xfrm>
+      </p:grpSpPr>
+      <p:sp>
+        <p:nvSpPr>
+          <p:cNvPr id="2" name="Title 1">
+            <a:extLst>
+              <a:ext uri="{FF2B5EF4-FFF2-40B4-BE49-F238E27FC236}">
+                <a16:creationId xmlns:a16="http://schemas.microsoft.com/office/drawing/2014/main" id="{24BB8615-B71E-472B-AA7C-8957916E168A}"/>
+              </a:ext>
+            </a:extLst>
+          </p:cNvPr>
+          <p:cNvSpPr>
+            <a:spLocks noGrp="1"/>
+          </p:cNvSpPr>
+          <p:nvPr>
+            <p:ph type="title"/>
+          </p:nvPr>
+        </p:nvSpPr>
+        <p:spPr/>
+        <p:txBody>
+          <a:bodyPr/>
+          <a:lstStyle/>
+          <a:p>
+            <a:r>
+              <a:rPr lang="en-US" dirty="0"/>
+              <a:t>dotnet </a:t>
+            </a:r>
+            <a:r>
+              <a:rPr lang="en-US" dirty="0" err="1"/>
+              <a:t>ef</a:t>
+            </a:r>
+            <a:endParaRPr lang="en-US" dirty="0"/>
+          </a:p>
+        </p:txBody>
+      </p:sp>
+      <p:sp>
+        <p:nvSpPr>
+          <p:cNvPr id="3" name="Text Placeholder 2">
+            <a:extLst>
+              <a:ext uri="{FF2B5EF4-FFF2-40B4-BE49-F238E27FC236}">
+                <a16:creationId xmlns:a16="http://schemas.microsoft.com/office/drawing/2014/main" id="{B5F9FE5A-E5AD-4F27-B13D-F9610DF9C7A2}"/>
+              </a:ext>
+            </a:extLst>
+          </p:cNvPr>
+          <p:cNvSpPr>
+            <a:spLocks noGrp="1"/>
+          </p:cNvSpPr>
+          <p:nvPr>
+            <p:ph type="body" idx="1"/>
+          </p:nvPr>
+        </p:nvSpPr>
+        <p:spPr/>
+        <p:txBody>
+          <a:bodyPr/>
+          <a:lstStyle/>
+          <a:p>
+            <a:r>
+              <a:rPr lang="en-US" dirty="0"/>
+              <a:t>Global tool installed with the SDK</a:t>
+            </a:r>
+          </a:p>
+          <a:p>
+            <a:pPr lvl="1"/>
+            <a:r>
+              <a:rPr lang="en-US" dirty="0"/>
+              <a:t>Manage DbContext</a:t>
+            </a:r>
+          </a:p>
+          <a:p>
+            <a:pPr lvl="1"/>
+            <a:r>
+              <a:rPr lang="en-US" dirty="0"/>
+              <a:t>Manage migrations</a:t>
+            </a:r>
+          </a:p>
+          <a:p>
+            <a:pPr lvl="1"/>
+            <a:r>
+              <a:rPr lang="en-US" dirty="0"/>
+              <a:t>Manage databases</a:t>
+            </a:r>
+          </a:p>
+          <a:p>
+            <a:pPr lvl="1"/>
+            <a:r>
+              <a:rPr lang="en-US" dirty="0"/>
+              <a:t>Scaffold (reverse engineer)</a:t>
+            </a:r>
+          </a:p>
+        </p:txBody>
+      </p:sp>
+      <p:pic>
+        <p:nvPicPr>
+          <p:cNvPr id="4" name="Picture 3">
+            <a:extLst>
+              <a:ext uri="{FF2B5EF4-FFF2-40B4-BE49-F238E27FC236}">
+                <a16:creationId xmlns:a16="http://schemas.microsoft.com/office/drawing/2014/main" id="{89B3C1D2-5CE1-43E7-AB3E-F8025E14F4E8}"/>
+              </a:ext>
+            </a:extLst>
+          </p:cNvPr>
+          <p:cNvPicPr>
+            <a:picLocks noChangeAspect="1"/>
+          </p:cNvPicPr>
+          <p:nvPr/>
+        </p:nvPicPr>
+        <p:blipFill>
+          <a:blip r:embed="rId2"/>
+          <a:stretch>
+            <a:fillRect/>
+          </a:stretch>
+        </p:blipFill>
+        <p:spPr>
+          <a:xfrm>
+            <a:off x="457200" y="3810000"/>
+            <a:ext cx="8553587" cy="1103945"/>
+          </a:xfrm>
+          <a:prstGeom prst="rect">
+            <a:avLst/>
+          </a:prstGeom>
+        </p:spPr>
+      </p:pic>
+    </p:spTree>
+    <p:extLst>
+      <p:ext uri="{BB962C8B-B14F-4D97-AF65-F5344CB8AC3E}">
+        <p14:creationId xmlns:p14="http://schemas.microsoft.com/office/powerpoint/2010/main" val="2746209730"/>
+      </p:ext>
+    </p:extLst>
+  </p:cSld>
+  <p:clrMapOvr>
+    <a:masterClrMapping/>
+  </p:clrMapOvr>
+  <p:transition>
+    <p:fade/>
+  </p:transition>
+</p:sld>
+</file>
+
+<file path=ppt/slides/slide6.xml><?xml version="1.0" encoding="utf-8"?>
+<p:sld xmlns:a="http://schemas.openxmlformats.org/drawingml/2006/main" xmlns:r="http://schemas.openxmlformats.org/officeDocument/2006/relationships" xmlns:p="http://schemas.openxmlformats.org/presentationml/2006/main">
+  <p:cSld>
+    <p:spTree>
+      <p:nvGrpSpPr>
+        <p:cNvPr id="1" name=""/>
+        <p:cNvGrpSpPr/>
+        <p:nvPr/>
+      </p:nvGrpSpPr>
+      <p:grpSpPr>
+        <a:xfrm>
+          <a:off x="0" y="0"/>
+          <a:ext cx="0" cy="0"/>
+          <a:chOff x="0" y="0"/>
+          <a:chExt cx="0" cy="0"/>
+        </a:xfrm>
+      </p:grpSpPr>
+      <p:sp>
+        <p:nvSpPr>
+          <p:cNvPr id="2" name="Title 1">
+            <a:extLst>
+              <a:ext uri="{FF2B5EF4-FFF2-40B4-BE49-F238E27FC236}">
+                <a16:creationId xmlns:a16="http://schemas.microsoft.com/office/drawing/2014/main" id="{669C8D73-CDF9-48C9-ADD0-D0ED92BCD92F}"/>
+              </a:ext>
+            </a:extLst>
+          </p:cNvPr>
+          <p:cNvSpPr>
+            <a:spLocks noGrp="1"/>
+          </p:cNvSpPr>
+          <p:nvPr>
+            <p:ph type="title"/>
+          </p:nvPr>
+        </p:nvSpPr>
+        <p:spPr/>
+        <p:txBody>
+          <a:bodyPr/>
+          <a:lstStyle/>
+          <a:p>
+            <a:r>
+              <a:rPr lang="en-US" dirty="0"/>
+              <a:t>Add a Migration</a:t>
+            </a:r>
+          </a:p>
+        </p:txBody>
+      </p:sp>
+      <p:sp>
+        <p:nvSpPr>
+          <p:cNvPr id="3" name="Text Placeholder 2">
+            <a:extLst>
+              <a:ext uri="{FF2B5EF4-FFF2-40B4-BE49-F238E27FC236}">
+                <a16:creationId xmlns:a16="http://schemas.microsoft.com/office/drawing/2014/main" id="{84400E1C-64E5-4169-A70C-02E16E2B6715}"/>
+              </a:ext>
+            </a:extLst>
+          </p:cNvPr>
+          <p:cNvSpPr>
+            <a:spLocks noGrp="1"/>
+          </p:cNvSpPr>
+          <p:nvPr>
+            <p:ph type="body" idx="1"/>
+          </p:nvPr>
+        </p:nvSpPr>
+        <p:spPr/>
+        <p:txBody>
+          <a:bodyPr/>
+          <a:lstStyle/>
+          <a:p>
+            <a:r>
+              <a:rPr lang="en-US" dirty="0"/>
+              <a:t>dotnet </a:t>
+            </a:r>
+            <a:r>
+              <a:rPr lang="en-US" dirty="0" err="1"/>
+              <a:t>ef</a:t>
+            </a:r>
+            <a:r>
+              <a:rPr lang="en-US" dirty="0"/>
+              <a:t> migrations add &lt;name&gt;</a:t>
+            </a:r>
+          </a:p>
+        </p:txBody>
+      </p:sp>
+      <p:pic>
+        <p:nvPicPr>
+          <p:cNvPr id="4" name="Picture 3">
+            <a:extLst>
+              <a:ext uri="{FF2B5EF4-FFF2-40B4-BE49-F238E27FC236}">
+                <a16:creationId xmlns:a16="http://schemas.microsoft.com/office/drawing/2014/main" id="{8E6C3554-D57D-4251-965D-8BB71E09B3DD}"/>
+              </a:ext>
+            </a:extLst>
+          </p:cNvPr>
+          <p:cNvPicPr>
+            <a:picLocks noChangeAspect="1"/>
+          </p:cNvPicPr>
+          <p:nvPr/>
+        </p:nvPicPr>
+        <p:blipFill>
+          <a:blip r:embed="rId2"/>
+          <a:stretch>
+            <a:fillRect/>
+          </a:stretch>
+        </p:blipFill>
+        <p:spPr>
+          <a:xfrm>
+            <a:off x="228600" y="2351992"/>
+            <a:ext cx="8153400" cy="1077008"/>
+          </a:xfrm>
+          <a:prstGeom prst="rect">
+            <a:avLst/>
+          </a:prstGeom>
+        </p:spPr>
+      </p:pic>
+      <p:pic>
+        <p:nvPicPr>
+          <p:cNvPr id="5" name="Picture 4">
+            <a:extLst>
+              <a:ext uri="{FF2B5EF4-FFF2-40B4-BE49-F238E27FC236}">
+                <a16:creationId xmlns:a16="http://schemas.microsoft.com/office/drawing/2014/main" id="{AFB32B59-49F1-4CF3-AEB1-8C00F6CA3F07}"/>
+              </a:ext>
+            </a:extLst>
+          </p:cNvPr>
+          <p:cNvPicPr>
+            <a:picLocks noChangeAspect="1"/>
+          </p:cNvPicPr>
+          <p:nvPr/>
+        </p:nvPicPr>
+        <p:blipFill>
+          <a:blip r:embed="rId3"/>
+          <a:stretch>
+            <a:fillRect/>
+          </a:stretch>
+        </p:blipFill>
+        <p:spPr>
+          <a:xfrm>
+            <a:off x="2743200" y="3530326"/>
+            <a:ext cx="4972050" cy="3022874"/>
+          </a:xfrm>
+          <a:prstGeom prst="rect">
+            <a:avLst/>
+          </a:prstGeom>
+        </p:spPr>
+      </p:pic>
+    </p:spTree>
+    <p:extLst>
+      <p:ext uri="{BB962C8B-B14F-4D97-AF65-F5344CB8AC3E}">
+        <p14:creationId xmlns:p14="http://schemas.microsoft.com/office/powerpoint/2010/main" val="4024456051"/>
+      </p:ext>
+    </p:extLst>
+  </p:cSld>
+  <p:clrMapOvr>
+    <a:masterClrMapping/>
+  </p:clrMapOvr>
+  <p:transition>
+    <p:fade/>
+  </p:transition>
+</p:sld>
+</file>
+
+<file path=ppt/slides/slide7.xml><?xml version="1.0" encoding="utf-8"?>
+<p:sld xmlns:a="http://schemas.openxmlformats.org/drawingml/2006/main" xmlns:r="http://schemas.openxmlformats.org/officeDocument/2006/relationships" xmlns:p="http://schemas.openxmlformats.org/presentationml/2006/main">
+  <p:cSld>
+    <p:spTree>
+      <p:nvGrpSpPr>
+        <p:cNvPr id="1" name=""/>
+        <p:cNvGrpSpPr/>
+        <p:nvPr/>
+      </p:nvGrpSpPr>
+      <p:grpSpPr>
+        <a:xfrm>
+          <a:off x="0" y="0"/>
+          <a:ext cx="0" cy="0"/>
+          <a:chOff x="0" y="0"/>
+          <a:chExt cx="0" cy="0"/>
+        </a:xfrm>
+      </p:grpSpPr>
+      <p:sp>
+        <p:nvSpPr>
+          <p:cNvPr id="2" name="Title 1">
+            <a:extLst>
+              <a:ext uri="{FF2B5EF4-FFF2-40B4-BE49-F238E27FC236}">
+                <a16:creationId xmlns:a16="http://schemas.microsoft.com/office/drawing/2014/main" id="{16B97D09-9166-4193-9D36-B5916E1E7664}"/>
+              </a:ext>
+            </a:extLst>
+          </p:cNvPr>
+          <p:cNvSpPr>
+            <a:spLocks noGrp="1"/>
+          </p:cNvSpPr>
+          <p:nvPr>
+            <p:ph type="title"/>
+          </p:nvPr>
+        </p:nvSpPr>
+        <p:spPr/>
+        <p:txBody>
+          <a:bodyPr/>
+          <a:lstStyle/>
+          <a:p>
+            <a:r>
+              <a:rPr lang="en-US" dirty="0"/>
+              <a:t>Apply Migrations</a:t>
+            </a:r>
+          </a:p>
+        </p:txBody>
+      </p:sp>
+      <p:sp>
+        <p:nvSpPr>
+          <p:cNvPr id="3" name="Text Placeholder 2">
+            <a:extLst>
+              <a:ext uri="{FF2B5EF4-FFF2-40B4-BE49-F238E27FC236}">
+                <a16:creationId xmlns:a16="http://schemas.microsoft.com/office/drawing/2014/main" id="{66E16013-0A56-4848-841C-CDFE76668662}"/>
+              </a:ext>
+            </a:extLst>
+          </p:cNvPr>
+          <p:cNvSpPr>
+            <a:spLocks noGrp="1"/>
+          </p:cNvSpPr>
+          <p:nvPr>
+            <p:ph type="body" idx="1"/>
+          </p:nvPr>
+        </p:nvSpPr>
+        <p:spPr/>
+        <p:txBody>
+          <a:bodyPr/>
+          <a:lstStyle/>
+          <a:p>
+            <a:r>
+              <a:rPr lang="en-US" dirty="0"/>
+              <a:t>dotnet </a:t>
+            </a:r>
+            <a:r>
+              <a:rPr lang="en-US" dirty="0" err="1"/>
+              <a:t>ef</a:t>
+            </a:r>
+            <a:r>
+              <a:rPr lang="en-US" dirty="0"/>
+              <a:t> database update</a:t>
+            </a:r>
+          </a:p>
+        </p:txBody>
+      </p:sp>
+      <p:pic>
+        <p:nvPicPr>
+          <p:cNvPr id="4" name="Picture 3">
+            <a:extLst>
+              <a:ext uri="{FF2B5EF4-FFF2-40B4-BE49-F238E27FC236}">
+                <a16:creationId xmlns:a16="http://schemas.microsoft.com/office/drawing/2014/main" id="{E793D4CA-694F-4962-BA44-25CD3E9483D9}"/>
+              </a:ext>
+            </a:extLst>
+          </p:cNvPr>
+          <p:cNvPicPr>
+            <a:picLocks noChangeAspect="1"/>
+          </p:cNvPicPr>
+          <p:nvPr/>
+        </p:nvPicPr>
+        <p:blipFill>
+          <a:blip r:embed="rId2"/>
+          <a:stretch>
+            <a:fillRect/>
+          </a:stretch>
+        </p:blipFill>
+        <p:spPr>
+          <a:xfrm>
+            <a:off x="1981200" y="2133600"/>
+            <a:ext cx="5224462" cy="4234806"/>
+          </a:xfrm>
+          <a:prstGeom prst="rect">
+            <a:avLst/>
+          </a:prstGeom>
+        </p:spPr>
+      </p:pic>
+    </p:spTree>
+    <p:extLst>
+      <p:ext uri="{BB962C8B-B14F-4D97-AF65-F5344CB8AC3E}">
+        <p14:creationId xmlns:p14="http://schemas.microsoft.com/office/powerpoint/2010/main" val="289281627"/>
+      </p:ext>
+    </p:extLst>
+  </p:cSld>
+  <p:clrMapOvr>
+    <a:masterClrMapping/>
+  </p:clrMapOvr>
+  <p:transition>
+    <p:fade/>
+  </p:transition>
+</p:sld>
+</file>
+
+<file path=ppt/slides/slide8.xml><?xml version="1.0" encoding="utf-8"?>
+<p:sld xmlns:a="http://schemas.openxmlformats.org/drawingml/2006/main" xmlns:r="http://schemas.openxmlformats.org/officeDocument/2006/relationships" xmlns:p="http://schemas.openxmlformats.org/presentationml/2006/main">
+  <p:cSld>
+    <p:spTree>
+      <p:nvGrpSpPr>
+        <p:cNvPr id="1" name=""/>
+        <p:cNvGrpSpPr/>
+        <p:nvPr/>
+      </p:nvGrpSpPr>
+      <p:grpSpPr>
+        <a:xfrm>
+          <a:off x="0" y="0"/>
+          <a:ext cx="0" cy="0"/>
+          <a:chOff x="0" y="0"/>
+          <a:chExt cx="0" cy="0"/>
+        </a:xfrm>
+      </p:grpSpPr>
+      <p:sp>
+        <p:nvSpPr>
+          <p:cNvPr id="2" name="Title 1">
+            <a:extLst>
+              <a:ext uri="{FF2B5EF4-FFF2-40B4-BE49-F238E27FC236}">
+                <a16:creationId xmlns:a16="http://schemas.microsoft.com/office/drawing/2014/main" id="{0CC33B12-963B-492E-8CFA-C75AF9D7D00A}"/>
+              </a:ext>
+            </a:extLst>
+          </p:cNvPr>
+          <p:cNvSpPr>
+            <a:spLocks noGrp="1"/>
+          </p:cNvSpPr>
+          <p:nvPr>
+            <p:ph type="title"/>
+          </p:nvPr>
+        </p:nvSpPr>
+        <p:spPr/>
+        <p:txBody>
+          <a:bodyPr/>
+          <a:lstStyle/>
+          <a:p>
+            <a:r>
+              <a:rPr lang="en-US" dirty="0"/>
+              <a:t>Using LINQ: Lazy versus Eager</a:t>
+            </a:r>
+          </a:p>
+        </p:txBody>
+      </p:sp>
+      <p:sp>
+        <p:nvSpPr>
+          <p:cNvPr id="3" name="Text Placeholder 2">
+            <a:extLst>
+              <a:ext uri="{FF2B5EF4-FFF2-40B4-BE49-F238E27FC236}">
+                <a16:creationId xmlns:a16="http://schemas.microsoft.com/office/drawing/2014/main" id="{9F9C0854-7175-4FA2-9A5F-CEF38E4E3831}"/>
+              </a:ext>
+            </a:extLst>
+          </p:cNvPr>
+          <p:cNvSpPr>
+            <a:spLocks noGrp="1"/>
+          </p:cNvSpPr>
+          <p:nvPr>
+            <p:ph type="body" idx="1"/>
+          </p:nvPr>
+        </p:nvSpPr>
+        <p:spPr/>
+        <p:txBody>
+          <a:bodyPr/>
+          <a:lstStyle/>
+          <a:p>
+            <a:r>
+              <a:rPr lang="en-US" dirty="0"/>
+              <a:t>Lazy is </a:t>
+            </a:r>
+            <a:r>
+              <a:rPr lang="en-US" dirty="0" err="1"/>
+              <a:t>IQueryable</a:t>
+            </a:r>
+            <a:r>
+              <a:rPr lang="en-US" dirty="0"/>
+              <a:t> or </a:t>
+            </a:r>
+            <a:r>
+              <a:rPr lang="en-US" dirty="0" err="1"/>
+              <a:t>IEnumerable</a:t>
+            </a:r>
+            <a:endParaRPr lang="en-US" dirty="0"/>
+          </a:p>
+          <a:p>
+            <a:pPr lvl="1"/>
+            <a:r>
+              <a:rPr lang="en-US" dirty="0"/>
+              <a:t>Only executes if needed</a:t>
+            </a:r>
+          </a:p>
+          <a:p>
+            <a:r>
+              <a:rPr lang="en-US" dirty="0"/>
+              <a:t>Eager is using </a:t>
+            </a:r>
+            <a:r>
+              <a:rPr lang="en-US" dirty="0" err="1"/>
+              <a:t>ToList</a:t>
+            </a:r>
+            <a:endParaRPr lang="en-US" dirty="0"/>
+          </a:p>
+          <a:p>
+            <a:pPr lvl="1"/>
+            <a:r>
+              <a:rPr lang="en-US" dirty="0"/>
+              <a:t>Fails fast</a:t>
+            </a:r>
+          </a:p>
+          <a:p>
+            <a:pPr lvl="1"/>
+            <a:endParaRPr lang="en-US" dirty="0"/>
+          </a:p>
+        </p:txBody>
+      </p:sp>
+      <p:pic>
+        <p:nvPicPr>
+          <p:cNvPr id="4" name="Picture 3">
+            <a:extLst>
+              <a:ext uri="{FF2B5EF4-FFF2-40B4-BE49-F238E27FC236}">
+                <a16:creationId xmlns:a16="http://schemas.microsoft.com/office/drawing/2014/main" id="{11140118-AE38-46F6-B640-A670149EDBB5}"/>
+              </a:ext>
+            </a:extLst>
+          </p:cNvPr>
+          <p:cNvPicPr>
+            <a:picLocks noChangeAspect="1"/>
+          </p:cNvPicPr>
+          <p:nvPr/>
+        </p:nvPicPr>
+        <p:blipFill>
+          <a:blip r:embed="rId2"/>
+          <a:stretch>
+            <a:fillRect/>
+          </a:stretch>
+        </p:blipFill>
+        <p:spPr>
+          <a:xfrm>
+            <a:off x="417035" y="3581400"/>
+            <a:ext cx="8305800" cy="1911732"/>
+          </a:xfrm>
+          <a:prstGeom prst="rect">
+            <a:avLst/>
+          </a:prstGeom>
+        </p:spPr>
+      </p:pic>
+    </p:spTree>
+    <p:extLst>
+      <p:ext uri="{BB962C8B-B14F-4D97-AF65-F5344CB8AC3E}">
+        <p14:creationId xmlns:p14="http://schemas.microsoft.com/office/powerpoint/2010/main" val="3063292517"/>
+      </p:ext>
+    </p:extLst>
+  </p:cSld>
+  <p:clrMapOvr>
+    <a:masterClrMapping/>
+  </p:clrMapOvr>
+  <p:transition>
+    <p:fade/>
+  </p:transition>
+</p:sld>
+</file>
+
+<file path=ppt/slides/slide9.xml><?xml version="1.0" encoding="utf-8"?>
+<p:sld xmlns:a="http://schemas.openxmlformats.org/drawingml/2006/main" xmlns:r="http://schemas.openxmlformats.org/officeDocument/2006/relationships" xmlns:p="http://schemas.openxmlformats.org/presentationml/2006/main">
+  <p:cSld>
+    <p:spTree>
+      <p:nvGrpSpPr>
+        <p:cNvPr id="1" name=""/>
+        <p:cNvGrpSpPr/>
+        <p:nvPr/>
+      </p:nvGrpSpPr>
+      <p:grpSpPr>
+        <a:xfrm>
+          <a:off x="0" y="0"/>
+          <a:ext cx="0" cy="0"/>
+          <a:chOff x="0" y="0"/>
+          <a:chExt cx="0" cy="0"/>
+        </a:xfrm>
+      </p:grpSpPr>
+      <p:sp>
+        <p:nvSpPr>
+          <p:cNvPr id="2" name="Title 1">
+            <a:extLst>
+              <a:ext uri="{FF2B5EF4-FFF2-40B4-BE49-F238E27FC236}">
+                <a16:creationId xmlns:a16="http://schemas.microsoft.com/office/drawing/2014/main" id="{E6516263-4A31-47C3-B893-5D39859D9C54}"/>
+              </a:ext>
+            </a:extLst>
+          </p:cNvPr>
+          <p:cNvSpPr>
+            <a:spLocks noGrp="1"/>
+          </p:cNvSpPr>
+          <p:nvPr>
+            <p:ph type="title"/>
+          </p:nvPr>
+        </p:nvSpPr>
+        <p:spPr/>
+        <p:txBody>
+          <a:bodyPr/>
+          <a:lstStyle/>
+          <a:p>
+            <a:r>
+              <a:rPr lang="en-US" dirty="0"/>
+              <a:t>Using LINQ: Composable versus Sealed</a:t>
+            </a:r>
+          </a:p>
+        </p:txBody>
+      </p:sp>
+      <p:sp>
+        <p:nvSpPr>
+          <p:cNvPr id="3" name="Text Placeholder 2">
+            <a:extLst>
+              <a:ext uri="{FF2B5EF4-FFF2-40B4-BE49-F238E27FC236}">
+                <a16:creationId xmlns:a16="http://schemas.microsoft.com/office/drawing/2014/main" id="{9D09CB1B-E735-4355-8D4B-BE26FB008F92}"/>
+              </a:ext>
+            </a:extLst>
+          </p:cNvPr>
+          <p:cNvSpPr>
+            <a:spLocks noGrp="1"/>
+          </p:cNvSpPr>
+          <p:nvPr>
+            <p:ph type="body" idx="1"/>
+          </p:nvPr>
+        </p:nvSpPr>
+        <p:spPr/>
+        <p:txBody>
+          <a:bodyPr/>
+          <a:lstStyle/>
+          <a:p>
+            <a:r>
+              <a:rPr lang="en-US" dirty="0" err="1"/>
+              <a:t>IQueryable</a:t>
+            </a:r>
+            <a:r>
+              <a:rPr lang="en-US" dirty="0"/>
+              <a:t> is composable</a:t>
+            </a:r>
+          </a:p>
+          <a:p>
+            <a:pPr lvl="1"/>
+            <a:r>
+              <a:rPr lang="en-US" dirty="0"/>
+              <a:t>Allows callers to modify query</a:t>
+            </a:r>
+          </a:p>
+          <a:p>
+            <a:r>
+              <a:rPr lang="en-US" dirty="0" err="1"/>
+              <a:t>IEnumerable</a:t>
+            </a:r>
+            <a:r>
+              <a:rPr lang="en-US" dirty="0"/>
+              <a:t> is in-memory</a:t>
+            </a:r>
+          </a:p>
+          <a:p>
+            <a:pPr lvl="1"/>
+            <a:r>
+              <a:rPr lang="en-US" dirty="0"/>
+              <a:t>Callers cannot modify query sent to DB</a:t>
+            </a:r>
+          </a:p>
+        </p:txBody>
+      </p:sp>
+      <p:pic>
+        <p:nvPicPr>
+          <p:cNvPr id="4" name="Picture 3">
+            <a:extLst>
+              <a:ext uri="{FF2B5EF4-FFF2-40B4-BE49-F238E27FC236}">
+                <a16:creationId xmlns:a16="http://schemas.microsoft.com/office/drawing/2014/main" id="{CF184F4D-7871-468B-BA55-327D8C94B700}"/>
+              </a:ext>
+            </a:extLst>
+          </p:cNvPr>
+          <p:cNvPicPr>
+            <a:picLocks noChangeAspect="1"/>
+          </p:cNvPicPr>
+          <p:nvPr/>
+        </p:nvPicPr>
+        <p:blipFill>
+          <a:blip r:embed="rId3"/>
+          <a:stretch>
+            <a:fillRect/>
+          </a:stretch>
+        </p:blipFill>
+        <p:spPr>
+          <a:xfrm>
+            <a:off x="464707" y="3695700"/>
+            <a:ext cx="8229600" cy="1922243"/>
+          </a:xfrm>
+          <a:prstGeom prst="rect">
+            <a:avLst/>
+          </a:prstGeom>
+        </p:spPr>
+      </p:pic>
+    </p:spTree>
+    <p:extLst>
+      <p:ext uri="{BB962C8B-B14F-4D97-AF65-F5344CB8AC3E}">
+        <p14:creationId xmlns:p14="http://schemas.microsoft.com/office/powerpoint/2010/main" val="1207235752"/>
       </p:ext>
     </p:extLst>
   </p:cSld>

--- a/aspnetcore/slides/09_entityframework.pptx
+++ b/aspnetcore/slides/09_entityframework.pptx
@@ -3310,12 +3310,12 @@
           <a:lstStyle/>
           <a:p>
             <a:r>
-              <a:rPr lang="en-US" dirty="0" err="1"/>
-              <a:t>Dataase</a:t>
+              <a:rPr lang="en-US"/>
+              <a:t>Database </a:t>
             </a:r>
             <a:r>
               <a:rPr lang="en-US" dirty="0"/>
-              <a:t> Providers in NuGet</a:t>
+              <a:t>Providers in NuGet</a:t>
             </a:r>
           </a:p>
         </p:txBody>

--- a/aspnetcore/slides/09_entityframework.pptx
+++ b/aspnetcore/slides/09_entityframework.pptx
@@ -293,7 +293,7 @@
               <a:pPr>
                 <a:defRPr/>
               </a:pPr>
-              <a:t>11/4/2018</a:t>
+              <a:t>9/5/2019</a:t>
             </a:fld>
             <a:endParaRPr lang="en-US"/>
           </a:p>
@@ -3746,7 +3746,7 @@
           <a:p>
             <a:r>
               <a:rPr lang="en-US" dirty="0"/>
-              <a:t>Global tool installed with the SDK</a:t>
+              <a:t>Install with “dotnet tool”</a:t>
             </a:r>
           </a:p>
           <a:p>

--- a/aspnetcore/slides/09_entityframework.pptx
+++ b/aspnetcore/slides/09_entityframework.pptx
@@ -3380,10 +3380,10 @@
       </p:sp>
       <p:pic>
         <p:nvPicPr>
-          <p:cNvPr id="4" name="Picture 3">
+          <p:cNvPr id="7" name="Picture 6">
             <a:extLst>
               <a:ext uri="{FF2B5EF4-FFF2-40B4-BE49-F238E27FC236}">
-                <a16:creationId xmlns:a16="http://schemas.microsoft.com/office/drawing/2014/main" id="{3F59416D-6CC2-4F63-9EE5-0D86466FF96C}"/>
+                <a16:creationId xmlns:a16="http://schemas.microsoft.com/office/drawing/2014/main" id="{794E1D59-86E7-4B59-9A83-DEC3D7EB7AC6}"/>
               </a:ext>
             </a:extLst>
           </p:cNvPr>
@@ -3400,8 +3400,8 @@
         </p:blipFill>
         <p:spPr>
           <a:xfrm>
-            <a:off x="495112" y="4521908"/>
-            <a:ext cx="8153400" cy="1269292"/>
+            <a:off x="1600200" y="4114800"/>
+            <a:ext cx="5842300" cy="393720"/>
           </a:xfrm>
           <a:prstGeom prst="rect">
             <a:avLst/>
@@ -3781,10 +3781,10 @@
       </p:sp>
       <p:pic>
         <p:nvPicPr>
-          <p:cNvPr id="4" name="Picture 3">
+          <p:cNvPr id="5" name="Picture 4">
             <a:extLst>
               <a:ext uri="{FF2B5EF4-FFF2-40B4-BE49-F238E27FC236}">
-                <a16:creationId xmlns:a16="http://schemas.microsoft.com/office/drawing/2014/main" id="{89B3C1D2-5CE1-43E7-AB3E-F8025E14F4E8}"/>
+                <a16:creationId xmlns:a16="http://schemas.microsoft.com/office/drawing/2014/main" id="{1021F5E4-F237-4AC7-B094-C47416D07B37}"/>
               </a:ext>
             </a:extLst>
           </p:cNvPr>
@@ -3801,8 +3801,38 @@
         </p:blipFill>
         <p:spPr>
           <a:xfrm>
-            <a:off x="457200" y="3810000"/>
-            <a:ext cx="8553587" cy="1103945"/>
+            <a:off x="1066800" y="3962400"/>
+            <a:ext cx="2540131" cy="285765"/>
+          </a:xfrm>
+          <a:prstGeom prst="rect">
+            <a:avLst/>
+          </a:prstGeom>
+        </p:spPr>
+      </p:pic>
+      <p:pic>
+        <p:nvPicPr>
+          <p:cNvPr id="7" name="Picture 6">
+            <a:extLst>
+              <a:ext uri="{FF2B5EF4-FFF2-40B4-BE49-F238E27FC236}">
+                <a16:creationId xmlns:a16="http://schemas.microsoft.com/office/drawing/2014/main" id="{B32A16D0-9F7E-4396-B65E-1C961BEF2D73}"/>
+              </a:ext>
+            </a:extLst>
+          </p:cNvPr>
+          <p:cNvPicPr>
+            <a:picLocks noChangeAspect="1"/>
+          </p:cNvPicPr>
+          <p:nvPr/>
+        </p:nvPicPr>
+        <p:blipFill>
+          <a:blip r:embed="rId3"/>
+          <a:stretch>
+            <a:fillRect/>
+          </a:stretch>
+        </p:blipFill>
+        <p:spPr>
+          <a:xfrm>
+            <a:off x="1066800" y="4505302"/>
+            <a:ext cx="5175516" cy="393720"/>
           </a:xfrm>
           <a:prstGeom prst="rect">
             <a:avLst/>
@@ -3822,6 +3852,142 @@
   <p:transition>
     <p:fade/>
   </p:transition>
+  <p:timing>
+    <p:tnLst>
+      <p:par>
+        <p:cTn id="1" dur="indefinite" restart="never" nodeType="tmRoot">
+          <p:childTnLst>
+            <p:seq concurrent="1" nextAc="seek">
+              <p:cTn id="2" dur="indefinite" nodeType="mainSeq">
+                <p:childTnLst>
+                  <p:par>
+                    <p:cTn id="3" fill="hold">
+                      <p:stCondLst>
+                        <p:cond delay="indefinite"/>
+                      </p:stCondLst>
+                      <p:childTnLst>
+                        <p:par>
+                          <p:cTn id="4" fill="hold">
+                            <p:stCondLst>
+                              <p:cond delay="0"/>
+                            </p:stCondLst>
+                            <p:childTnLst>
+                              <p:par>
+                                <p:cTn id="5" presetID="10" presetClass="entr" presetSubtype="0" fill="hold" nodeType="clickEffect">
+                                  <p:stCondLst>
+                                    <p:cond delay="0"/>
+                                  </p:stCondLst>
+                                  <p:childTnLst>
+                                    <p:set>
+                                      <p:cBhvr>
+                                        <p:cTn id="6" dur="1" fill="hold">
+                                          <p:stCondLst>
+                                            <p:cond delay="0"/>
+                                          </p:stCondLst>
+                                        </p:cTn>
+                                        <p:tgtEl>
+                                          <p:spTgt spid="5"/>
+                                        </p:tgtEl>
+                                        <p:attrNameLst>
+                                          <p:attrName>style.visibility</p:attrName>
+                                        </p:attrNameLst>
+                                      </p:cBhvr>
+                                      <p:to>
+                                        <p:strVal val="visible"/>
+                                      </p:to>
+                                    </p:set>
+                                    <p:animEffect transition="in" filter="fade">
+                                      <p:cBhvr>
+                                        <p:cTn id="7" dur="500"/>
+                                        <p:tgtEl>
+                                          <p:spTgt spid="5"/>
+                                        </p:tgtEl>
+                                      </p:cBhvr>
+                                    </p:animEffect>
+                                  </p:childTnLst>
+                                </p:cTn>
+                              </p:par>
+                            </p:childTnLst>
+                          </p:cTn>
+                        </p:par>
+                      </p:childTnLst>
+                    </p:cTn>
+                  </p:par>
+                  <p:par>
+                    <p:cTn id="8" fill="hold">
+                      <p:stCondLst>
+                        <p:cond delay="indefinite"/>
+                      </p:stCondLst>
+                      <p:childTnLst>
+                        <p:par>
+                          <p:cTn id="9" fill="hold">
+                            <p:stCondLst>
+                              <p:cond delay="0"/>
+                            </p:stCondLst>
+                            <p:childTnLst>
+                              <p:par>
+                                <p:cTn id="10" presetID="10" presetClass="entr" presetSubtype="0" fill="hold" nodeType="clickEffect">
+                                  <p:stCondLst>
+                                    <p:cond delay="0"/>
+                                  </p:stCondLst>
+                                  <p:childTnLst>
+                                    <p:set>
+                                      <p:cBhvr>
+                                        <p:cTn id="11" dur="1" fill="hold">
+                                          <p:stCondLst>
+                                            <p:cond delay="0"/>
+                                          </p:stCondLst>
+                                        </p:cTn>
+                                        <p:tgtEl>
+                                          <p:spTgt spid="7"/>
+                                        </p:tgtEl>
+                                        <p:attrNameLst>
+                                          <p:attrName>style.visibility</p:attrName>
+                                        </p:attrNameLst>
+                                      </p:cBhvr>
+                                      <p:to>
+                                        <p:strVal val="visible"/>
+                                      </p:to>
+                                    </p:set>
+                                    <p:animEffect transition="in" filter="fade">
+                                      <p:cBhvr>
+                                        <p:cTn id="12" dur="500"/>
+                                        <p:tgtEl>
+                                          <p:spTgt spid="7"/>
+                                        </p:tgtEl>
+                                      </p:cBhvr>
+                                    </p:animEffect>
+                                  </p:childTnLst>
+                                </p:cTn>
+                              </p:par>
+                            </p:childTnLst>
+                          </p:cTn>
+                        </p:par>
+                      </p:childTnLst>
+                    </p:cTn>
+                  </p:par>
+                </p:childTnLst>
+              </p:cTn>
+              <p:prevCondLst>
+                <p:cond evt="onPrev" delay="0">
+                  <p:tgtEl>
+                    <p:sldTgt/>
+                  </p:tgtEl>
+                </p:cond>
+              </p:prevCondLst>
+              <p:nextCondLst>
+                <p:cond evt="onNext" delay="0">
+                  <p:tgtEl>
+                    <p:sldTgt/>
+                  </p:tgtEl>
+                </p:cond>
+              </p:nextCondLst>
+            </p:seq>
+          </p:childTnLst>
+        </p:cTn>
+      </p:par>
+    </p:tnLst>
+  </p:timing>
 </p:sld>
 </file>
 
